--- a/workshops/gg/WorkshopHeader.pptx
+++ b/workshops/gg/WorkshopHeader.pptx
@@ -239,7 +239,7 @@
             <a:fld id="{BED1614E-28FD-C54C-811F-CB4EE2076F62}" type="datetimeFigureOut">
               <a:rPr lang="en-US" smtClean="0"/>
               <a:pPr/>
-              <a:t>3/27/2017</a:t>
+              <a:t>1/23/2019</a:t>
             </a:fld>
             <a:endParaRPr lang="en-US"/>
           </a:p>
@@ -291,7 +291,7 @@
     </p:spTree>
     <p:extLst>
       <p:ext uri="{BB962C8B-B14F-4D97-AF65-F5344CB8AC3E}">
-        <p14:creationId xmlns:p14="http://schemas.microsoft.com/office/powerpoint/2010/main" xmlns="" val="1861031596"/>
+        <p14:creationId xmlns:p14="http://schemas.microsoft.com/office/powerpoint/2010/main" val="1861031596"/>
       </p:ext>
     </p:extLst>
   </p:cSld>
@@ -411,7 +411,7 @@
             <a:fld id="{BED1614E-28FD-C54C-811F-CB4EE2076F62}" type="datetimeFigureOut">
               <a:rPr lang="en-US" smtClean="0"/>
               <a:pPr/>
-              <a:t>3/27/2017</a:t>
+              <a:t>1/23/2019</a:t>
             </a:fld>
             <a:endParaRPr lang="en-US"/>
           </a:p>
@@ -463,7 +463,7 @@
     </p:spTree>
     <p:extLst>
       <p:ext uri="{BB962C8B-B14F-4D97-AF65-F5344CB8AC3E}">
-        <p14:creationId xmlns:p14="http://schemas.microsoft.com/office/powerpoint/2010/main" xmlns="" val="668241230"/>
+        <p14:creationId xmlns:p14="http://schemas.microsoft.com/office/powerpoint/2010/main" val="668241230"/>
       </p:ext>
     </p:extLst>
   </p:cSld>
@@ -593,7 +593,7 @@
             <a:fld id="{BED1614E-28FD-C54C-811F-CB4EE2076F62}" type="datetimeFigureOut">
               <a:rPr lang="en-US" smtClean="0"/>
               <a:pPr/>
-              <a:t>3/27/2017</a:t>
+              <a:t>1/23/2019</a:t>
             </a:fld>
             <a:endParaRPr lang="en-US"/>
           </a:p>
@@ -645,7 +645,7 @@
     </p:spTree>
     <p:extLst>
       <p:ext uri="{BB962C8B-B14F-4D97-AF65-F5344CB8AC3E}">
-        <p14:creationId xmlns:p14="http://schemas.microsoft.com/office/powerpoint/2010/main" xmlns="" val="1938362447"/>
+        <p14:creationId xmlns:p14="http://schemas.microsoft.com/office/powerpoint/2010/main" val="1938362447"/>
       </p:ext>
     </p:extLst>
   </p:cSld>
@@ -765,7 +765,7 @@
             <a:fld id="{BED1614E-28FD-C54C-811F-CB4EE2076F62}" type="datetimeFigureOut">
               <a:rPr lang="en-US" smtClean="0"/>
               <a:pPr/>
-              <a:t>3/27/2017</a:t>
+              <a:t>1/23/2019</a:t>
             </a:fld>
             <a:endParaRPr lang="en-US"/>
           </a:p>
@@ -817,7 +817,7 @@
     </p:spTree>
     <p:extLst>
       <p:ext uri="{BB962C8B-B14F-4D97-AF65-F5344CB8AC3E}">
-        <p14:creationId xmlns:p14="http://schemas.microsoft.com/office/powerpoint/2010/main" xmlns="" val="258715417"/>
+        <p14:creationId xmlns:p14="http://schemas.microsoft.com/office/powerpoint/2010/main" val="258715417"/>
       </p:ext>
     </p:extLst>
   </p:cSld>
@@ -1013,7 +1013,7 @@
             <a:fld id="{BED1614E-28FD-C54C-811F-CB4EE2076F62}" type="datetimeFigureOut">
               <a:rPr lang="en-US" smtClean="0"/>
               <a:pPr/>
-              <a:t>3/27/2017</a:t>
+              <a:t>1/23/2019</a:t>
             </a:fld>
             <a:endParaRPr lang="en-US"/>
           </a:p>
@@ -1065,7 +1065,7 @@
     </p:spTree>
     <p:extLst>
       <p:ext uri="{BB962C8B-B14F-4D97-AF65-F5344CB8AC3E}">
-        <p14:creationId xmlns:p14="http://schemas.microsoft.com/office/powerpoint/2010/main" xmlns="" val="1723111991"/>
+        <p14:creationId xmlns:p14="http://schemas.microsoft.com/office/powerpoint/2010/main" val="1723111991"/>
       </p:ext>
     </p:extLst>
   </p:cSld>
@@ -1247,7 +1247,7 @@
             <a:fld id="{BED1614E-28FD-C54C-811F-CB4EE2076F62}" type="datetimeFigureOut">
               <a:rPr lang="en-US" smtClean="0"/>
               <a:pPr/>
-              <a:t>3/27/2017</a:t>
+              <a:t>1/23/2019</a:t>
             </a:fld>
             <a:endParaRPr lang="en-US"/>
           </a:p>
@@ -1299,7 +1299,7 @@
     </p:spTree>
     <p:extLst>
       <p:ext uri="{BB962C8B-B14F-4D97-AF65-F5344CB8AC3E}">
-        <p14:creationId xmlns:p14="http://schemas.microsoft.com/office/powerpoint/2010/main" xmlns="" val="1526252942"/>
+        <p14:creationId xmlns:p14="http://schemas.microsoft.com/office/powerpoint/2010/main" val="1526252942"/>
       </p:ext>
     </p:extLst>
   </p:cSld>
@@ -1616,7 +1616,7 @@
             <a:fld id="{BED1614E-28FD-C54C-811F-CB4EE2076F62}" type="datetimeFigureOut">
               <a:rPr lang="en-US" smtClean="0"/>
               <a:pPr/>
-              <a:t>3/27/2017</a:t>
+              <a:t>1/23/2019</a:t>
             </a:fld>
             <a:endParaRPr lang="en-US"/>
           </a:p>
@@ -1668,7 +1668,7 @@
     </p:spTree>
     <p:extLst>
       <p:ext uri="{BB962C8B-B14F-4D97-AF65-F5344CB8AC3E}">
-        <p14:creationId xmlns:p14="http://schemas.microsoft.com/office/powerpoint/2010/main" xmlns="" val="41032779"/>
+        <p14:creationId xmlns:p14="http://schemas.microsoft.com/office/powerpoint/2010/main" val="41032779"/>
       </p:ext>
     </p:extLst>
   </p:cSld>
@@ -1736,7 +1736,7 @@
             <a:fld id="{BED1614E-28FD-C54C-811F-CB4EE2076F62}" type="datetimeFigureOut">
               <a:rPr lang="en-US" smtClean="0"/>
               <a:pPr/>
-              <a:t>3/27/2017</a:t>
+              <a:t>1/23/2019</a:t>
             </a:fld>
             <a:endParaRPr lang="en-US"/>
           </a:p>
@@ -1788,7 +1788,7 @@
     </p:spTree>
     <p:extLst>
       <p:ext uri="{BB962C8B-B14F-4D97-AF65-F5344CB8AC3E}">
-        <p14:creationId xmlns:p14="http://schemas.microsoft.com/office/powerpoint/2010/main" xmlns="" val="295665966"/>
+        <p14:creationId xmlns:p14="http://schemas.microsoft.com/office/powerpoint/2010/main" val="295665966"/>
       </p:ext>
     </p:extLst>
   </p:cSld>
@@ -1833,7 +1833,7 @@
             <a:fld id="{BED1614E-28FD-C54C-811F-CB4EE2076F62}" type="datetimeFigureOut">
               <a:rPr lang="en-US" smtClean="0"/>
               <a:pPr/>
-              <a:t>3/27/2017</a:t>
+              <a:t>1/23/2019</a:t>
             </a:fld>
             <a:endParaRPr lang="en-US"/>
           </a:p>
@@ -1885,7 +1885,7 @@
     </p:spTree>
     <p:extLst>
       <p:ext uri="{BB962C8B-B14F-4D97-AF65-F5344CB8AC3E}">
-        <p14:creationId xmlns:p14="http://schemas.microsoft.com/office/powerpoint/2010/main" xmlns="" val="2128215051"/>
+        <p14:creationId xmlns:p14="http://schemas.microsoft.com/office/powerpoint/2010/main" val="2128215051"/>
       </p:ext>
     </p:extLst>
   </p:cSld>
@@ -2112,7 +2112,7 @@
             <a:fld id="{BED1614E-28FD-C54C-811F-CB4EE2076F62}" type="datetimeFigureOut">
               <a:rPr lang="en-US" smtClean="0"/>
               <a:pPr/>
-              <a:t>3/27/2017</a:t>
+              <a:t>1/23/2019</a:t>
             </a:fld>
             <a:endParaRPr lang="en-US"/>
           </a:p>
@@ -2164,7 +2164,7 @@
     </p:spTree>
     <p:extLst>
       <p:ext uri="{BB962C8B-B14F-4D97-AF65-F5344CB8AC3E}">
-        <p14:creationId xmlns:p14="http://schemas.microsoft.com/office/powerpoint/2010/main" xmlns="" val="422737725"/>
+        <p14:creationId xmlns:p14="http://schemas.microsoft.com/office/powerpoint/2010/main" val="422737725"/>
       </p:ext>
     </p:extLst>
   </p:cSld>
@@ -2367,7 +2367,7 @@
             <a:fld id="{BED1614E-28FD-C54C-811F-CB4EE2076F62}" type="datetimeFigureOut">
               <a:rPr lang="en-US" smtClean="0"/>
               <a:pPr/>
-              <a:t>3/27/2017</a:t>
+              <a:t>1/23/2019</a:t>
             </a:fld>
             <a:endParaRPr lang="en-US"/>
           </a:p>
@@ -2419,7 +2419,7 @@
     </p:spTree>
     <p:extLst>
       <p:ext uri="{BB962C8B-B14F-4D97-AF65-F5344CB8AC3E}">
-        <p14:creationId xmlns:p14="http://schemas.microsoft.com/office/powerpoint/2010/main" xmlns="" val="1077039799"/>
+        <p14:creationId xmlns:p14="http://schemas.microsoft.com/office/powerpoint/2010/main" val="1077039799"/>
       </p:ext>
     </p:extLst>
   </p:cSld>
@@ -2582,7 +2582,7 @@
             <a:fld id="{BED1614E-28FD-C54C-811F-CB4EE2076F62}" type="datetimeFigureOut">
               <a:rPr lang="en-US" smtClean="0"/>
               <a:pPr/>
-              <a:t>3/27/2017</a:t>
+              <a:t>1/23/2019</a:t>
             </a:fld>
             <a:endParaRPr lang="en-US"/>
           </a:p>
@@ -2670,7 +2670,7 @@
     </p:spTree>
     <p:extLst>
       <p:ext uri="{BB962C8B-B14F-4D97-AF65-F5344CB8AC3E}">
-        <p14:creationId xmlns:p14="http://schemas.microsoft.com/office/powerpoint/2010/main" xmlns="" val="1219577852"/>
+        <p14:creationId xmlns:p14="http://schemas.microsoft.com/office/powerpoint/2010/main" val="1219577852"/>
       </p:ext>
     </p:extLst>
   </p:cSld>
@@ -3044,7 +3044,7 @@
           <a:blip r:embed="rId2" cstate="print">
             <a:extLst>
               <a:ext uri="{28A0092B-C50C-407E-A947-70E740481C1C}">
-                <a14:useLocalDpi xmlns:a14="http://schemas.microsoft.com/office/drawing/2010/main" xmlns=""/>
+                <a14:useLocalDpi xmlns:a14="http://schemas.microsoft.com/office/drawing/2010/main"/>
               </a:ext>
             </a:extLst>
           </a:blip>
@@ -3067,7 +3067,7 @@
           </a:ln>
           <a:extLst>
             <a:ext uri="{FAA26D3D-D897-4be2-8F04-BA451C77F1D7}">
-              <ma14:placeholderFlag xmlns:ma14="http://schemas.microsoft.com/office/mac/drawingml/2011/main" xmlns=""/>
+              <ma14:placeholderFlag xmlns="" xmlns:ma14="http://schemas.microsoft.com/office/mac/drawingml/2011/main"/>
             </a:ext>
           </a:extLst>
         </p:spPr>
@@ -3169,8 +3169,16 @@
                 <a:ea typeface="Tahoma" charset="0"/>
                 <a:cs typeface="Tahoma" charset="0"/>
               </a:rPr>
-              <a:t>100</a:t>
-            </a:r>
+              <a:t>1000</a:t>
+            </a:r>
+            <a:endParaRPr lang="en-US" sz="2800" b="1" dirty="0" smtClean="0">
+              <a:solidFill>
+                <a:schemeClr val="bg1"/>
+              </a:solidFill>
+              <a:latin typeface="Tahoma" charset="0"/>
+              <a:ea typeface="Tahoma" charset="0"/>
+              <a:cs typeface="Tahoma" charset="0"/>
+            </a:endParaRPr>
           </a:p>
           <a:p>
             <a:pPr algn="r"/>
@@ -3218,8 +3226,8 @@
         </p:nvSpPr>
         <p:spPr>
           <a:xfrm>
-            <a:off x="5794112" y="3994726"/>
-            <a:ext cx="2909771" cy="646331"/>
+            <a:off x="5491144" y="3994726"/>
+            <a:ext cx="3212739" cy="646331"/>
           </a:xfrm>
           <a:prstGeom prst="rect">
             <a:avLst/>
@@ -3245,8 +3253,27 @@
                 <a:ea typeface="Tahoma" charset="0"/>
                 <a:cs typeface="Tahoma" charset="0"/>
               </a:rPr>
-              <a:t>Database Cloud Service</a:t>
-            </a:r>
+              <a:t>GoldenGate </a:t>
+            </a:r>
+            <a:r>
+              <a:rPr lang="en-US" b="1" dirty="0" err="1" smtClean="0">
+                <a:solidFill>
+                  <a:schemeClr val="bg1"/>
+                </a:solidFill>
+                <a:latin typeface="Tahoma" charset="0"/>
+                <a:ea typeface="Tahoma" charset="0"/>
+                <a:cs typeface="Tahoma" charset="0"/>
+              </a:rPr>
+              <a:t>MicroServices</a:t>
+            </a:r>
+            <a:endParaRPr lang="en-US" b="1" dirty="0" smtClean="0">
+              <a:solidFill>
+                <a:schemeClr val="bg1"/>
+              </a:solidFill>
+              <a:latin typeface="Tahoma" charset="0"/>
+              <a:ea typeface="Tahoma" charset="0"/>
+              <a:cs typeface="Tahoma" charset="0"/>
+            </a:endParaRPr>
           </a:p>
           <a:p>
             <a:pPr algn="r"/>
@@ -3259,7 +3286,7 @@
                 <a:ea typeface="Tahoma" charset="0"/>
                 <a:cs typeface="Tahoma" charset="0"/>
               </a:rPr>
-              <a:t>Workshop</a:t>
+              <a:t>Reset Lab</a:t>
             </a:r>
             <a:endParaRPr lang="en-US" b="1" dirty="0">
               <a:solidFill>
@@ -3275,7 +3302,7 @@
     </p:spTree>
     <p:extLst>
       <p:ext uri="{BB962C8B-B14F-4D97-AF65-F5344CB8AC3E}">
-        <p14:creationId xmlns:p14="http://schemas.microsoft.com/office/powerpoint/2010/main" xmlns="" val="68740902"/>
+        <p14:creationId xmlns:p14="http://schemas.microsoft.com/office/powerpoint/2010/main" val="68740902"/>
       </p:ext>
     </p:extLst>
   </p:cSld>
@@ -3540,7 +3567,7 @@
   <a:extraClrSchemeLst/>
   <a:extLst>
     <a:ext uri="{05A4C25C-085E-4340-85A3-A5531E510DB2}">
-      <thm15:themeFamily xmlns:thm15="http://schemas.microsoft.com/office/thememl/2012/main" xmlns="" name="Office Theme" id="{62F939B6-93AF-4DB8-9C6B-D6C7DFDC589F}" vid="{4A3C46E8-61CC-4603-A589-7422A47A8E4A}"/>
+      <thm15:themeFamily xmlns="" xmlns:thm15="http://schemas.microsoft.com/office/thememl/2012/main" name="Office Theme" id="{62F939B6-93AF-4DB8-9C6B-D6C7DFDC589F}" vid="{4A3C46E8-61CC-4603-A589-7422A47A8E4A}"/>
     </a:ext>
   </a:extLst>
 </a:theme>

--- a/workshops/gg/WorkshopHeader.pptx
+++ b/workshops/gg/WorkshopHeader.pptx
@@ -104,6 +104,22 @@
       </a:defRPr>
     </a:lvl9pPr>
   </p:defaultTextStyle>
+  <p:extLst>
+    <p:ext uri="{EFAFB233-063F-42B5-8137-9DF3F51BA10A}">
+      <p15:sldGuideLst xmlns:p15="http://schemas.microsoft.com/office/powerpoint/2012/main">
+        <p15:guide id="1" orient="horz" pos="2160">
+          <p15:clr>
+            <a:srgbClr val="A4A3A4"/>
+          </p15:clr>
+        </p15:guide>
+        <p15:guide id="2" pos="3840">
+          <p15:clr>
+            <a:srgbClr val="A4A3A4"/>
+          </p15:clr>
+        </p15:guide>
+      </p15:sldGuideLst>
+    </p:ext>
+  </p:extLst>
 </p:presentation>
 </file>
 
@@ -239,7 +255,7 @@
             <a:fld id="{BED1614E-28FD-C54C-811F-CB4EE2076F62}" type="datetimeFigureOut">
               <a:rPr lang="en-US" smtClean="0"/>
               <a:pPr/>
-              <a:t>1/23/2019</a:t>
+              <a:t>3/28/2019</a:t>
             </a:fld>
             <a:endParaRPr lang="en-US"/>
           </a:p>
@@ -411,7 +427,7 @@
             <a:fld id="{BED1614E-28FD-C54C-811F-CB4EE2076F62}" type="datetimeFigureOut">
               <a:rPr lang="en-US" smtClean="0"/>
               <a:pPr/>
-              <a:t>1/23/2019</a:t>
+              <a:t>3/28/2019</a:t>
             </a:fld>
             <a:endParaRPr lang="en-US"/>
           </a:p>
@@ -593,7 +609,7 @@
             <a:fld id="{BED1614E-28FD-C54C-811F-CB4EE2076F62}" type="datetimeFigureOut">
               <a:rPr lang="en-US" smtClean="0"/>
               <a:pPr/>
-              <a:t>1/23/2019</a:t>
+              <a:t>3/28/2019</a:t>
             </a:fld>
             <a:endParaRPr lang="en-US"/>
           </a:p>
@@ -765,7 +781,7 @@
             <a:fld id="{BED1614E-28FD-C54C-811F-CB4EE2076F62}" type="datetimeFigureOut">
               <a:rPr lang="en-US" smtClean="0"/>
               <a:pPr/>
-              <a:t>1/23/2019</a:t>
+              <a:t>3/28/2019</a:t>
             </a:fld>
             <a:endParaRPr lang="en-US"/>
           </a:p>
@@ -1013,7 +1029,7 @@
             <a:fld id="{BED1614E-28FD-C54C-811F-CB4EE2076F62}" type="datetimeFigureOut">
               <a:rPr lang="en-US" smtClean="0"/>
               <a:pPr/>
-              <a:t>1/23/2019</a:t>
+              <a:t>3/28/2019</a:t>
             </a:fld>
             <a:endParaRPr lang="en-US"/>
           </a:p>
@@ -1247,7 +1263,7 @@
             <a:fld id="{BED1614E-28FD-C54C-811F-CB4EE2076F62}" type="datetimeFigureOut">
               <a:rPr lang="en-US" smtClean="0"/>
               <a:pPr/>
-              <a:t>1/23/2019</a:t>
+              <a:t>3/28/2019</a:t>
             </a:fld>
             <a:endParaRPr lang="en-US"/>
           </a:p>
@@ -1616,7 +1632,7 @@
             <a:fld id="{BED1614E-28FD-C54C-811F-CB4EE2076F62}" type="datetimeFigureOut">
               <a:rPr lang="en-US" smtClean="0"/>
               <a:pPr/>
-              <a:t>1/23/2019</a:t>
+              <a:t>3/28/2019</a:t>
             </a:fld>
             <a:endParaRPr lang="en-US"/>
           </a:p>
@@ -1736,7 +1752,7 @@
             <a:fld id="{BED1614E-28FD-C54C-811F-CB4EE2076F62}" type="datetimeFigureOut">
               <a:rPr lang="en-US" smtClean="0"/>
               <a:pPr/>
-              <a:t>1/23/2019</a:t>
+              <a:t>3/28/2019</a:t>
             </a:fld>
             <a:endParaRPr lang="en-US"/>
           </a:p>
@@ -1833,7 +1849,7 @@
             <a:fld id="{BED1614E-28FD-C54C-811F-CB4EE2076F62}" type="datetimeFigureOut">
               <a:rPr lang="en-US" smtClean="0"/>
               <a:pPr/>
-              <a:t>1/23/2019</a:t>
+              <a:t>3/28/2019</a:t>
             </a:fld>
             <a:endParaRPr lang="en-US"/>
           </a:p>
@@ -2112,7 +2128,7 @@
             <a:fld id="{BED1614E-28FD-C54C-811F-CB4EE2076F62}" type="datetimeFigureOut">
               <a:rPr lang="en-US" smtClean="0"/>
               <a:pPr/>
-              <a:t>1/23/2019</a:t>
+              <a:t>3/28/2019</a:t>
             </a:fld>
             <a:endParaRPr lang="en-US"/>
           </a:p>
@@ -2367,7 +2383,7 @@
             <a:fld id="{BED1614E-28FD-C54C-811F-CB4EE2076F62}" type="datetimeFigureOut">
               <a:rPr lang="en-US" smtClean="0"/>
               <a:pPr/>
-              <a:t>1/23/2019</a:t>
+              <a:t>3/28/2019</a:t>
             </a:fld>
             <a:endParaRPr lang="en-US"/>
           </a:p>
@@ -2582,7 +2598,7 @@
             <a:fld id="{BED1614E-28FD-C54C-811F-CB4EE2076F62}" type="datetimeFigureOut">
               <a:rPr lang="en-US" smtClean="0"/>
               <a:pPr/>
-              <a:t>1/23/2019</a:t>
+              <a:t>3/28/2019</a:t>
             </a:fld>
             <a:endParaRPr lang="en-US"/>
           </a:p>
@@ -3067,7 +3083,7 @@
           </a:ln>
           <a:extLst>
             <a:ext uri="{FAA26D3D-D897-4be2-8F04-BA451C77F1D7}">
-              <ma14:placeholderFlag xmlns="" xmlns:ma14="http://schemas.microsoft.com/office/mac/drawingml/2011/main"/>
+              <ma14:placeholderFlag xmlns:ma14="http://schemas.microsoft.com/office/mac/drawingml/2011/main" xmlns=""/>
             </a:ext>
           </a:extLst>
         </p:spPr>
@@ -3169,7 +3185,7 @@
                 <a:ea typeface="Tahoma" charset="0"/>
                 <a:cs typeface="Tahoma" charset="0"/>
               </a:rPr>
-              <a:t>1000</a:t>
+              <a:t>9100</a:t>
             </a:r>
             <a:endParaRPr lang="en-US" sz="2800" b="1" dirty="0" smtClean="0">
               <a:solidFill>
@@ -3286,7 +3302,7 @@
                 <a:ea typeface="Tahoma" charset="0"/>
                 <a:cs typeface="Tahoma" charset="0"/>
               </a:rPr>
-              <a:t>Reset Lab</a:t>
+              <a:t>MySQL to ADWC Lab</a:t>
             </a:r>
             <a:endParaRPr lang="en-US" b="1" dirty="0">
               <a:solidFill>
@@ -3567,7 +3583,7 @@
   <a:extraClrSchemeLst/>
   <a:extLst>
     <a:ext uri="{05A4C25C-085E-4340-85A3-A5531E510DB2}">
-      <thm15:themeFamily xmlns="" xmlns:thm15="http://schemas.microsoft.com/office/thememl/2012/main" name="Office Theme" id="{62F939B6-93AF-4DB8-9C6B-D6C7DFDC589F}" vid="{4A3C46E8-61CC-4603-A589-7422A47A8E4A}"/>
+      <thm15:themeFamily xmlns:thm15="http://schemas.microsoft.com/office/thememl/2012/main" name="Office Theme" id="{62F939B6-93AF-4DB8-9C6B-D6C7DFDC589F}" vid="{4A3C46E8-61CC-4603-A589-7422A47A8E4A}"/>
     </a:ext>
   </a:extLst>
 </a:theme>
